--- a/PRES.pptx
+++ b/PRES.pptx
@@ -5,7 +5,7 @@
     <p:sldMasterId id="2147483660" r:id="rId1"/>
   </p:sldMasterIdLst>
   <p:notesMasterIdLst>
-    <p:notesMasterId r:id="rId18"/>
+    <p:notesMasterId r:id="rId25"/>
   </p:notesMasterIdLst>
   <p:sldIdLst>
     <p:sldId id="256" r:id="rId2"/>
@@ -13,17 +13,24 @@
     <p:sldId id="259" r:id="rId4"/>
     <p:sldId id="258" r:id="rId5"/>
     <p:sldId id="271" r:id="rId6"/>
-    <p:sldId id="272" r:id="rId7"/>
-    <p:sldId id="260" r:id="rId8"/>
-    <p:sldId id="261" r:id="rId9"/>
-    <p:sldId id="262" r:id="rId10"/>
-    <p:sldId id="263" r:id="rId11"/>
-    <p:sldId id="264" r:id="rId12"/>
-    <p:sldId id="270" r:id="rId13"/>
-    <p:sldId id="266" r:id="rId14"/>
-    <p:sldId id="265" r:id="rId15"/>
-    <p:sldId id="268" r:id="rId16"/>
-    <p:sldId id="269" r:id="rId17"/>
+    <p:sldId id="275" r:id="rId7"/>
+    <p:sldId id="272" r:id="rId8"/>
+    <p:sldId id="260" r:id="rId9"/>
+    <p:sldId id="261" r:id="rId10"/>
+    <p:sldId id="262" r:id="rId11"/>
+    <p:sldId id="273" r:id="rId12"/>
+    <p:sldId id="274" r:id="rId13"/>
+    <p:sldId id="263" r:id="rId14"/>
+    <p:sldId id="264" r:id="rId15"/>
+    <p:sldId id="276" r:id="rId16"/>
+    <p:sldId id="270" r:id="rId17"/>
+    <p:sldId id="266" r:id="rId18"/>
+    <p:sldId id="277" r:id="rId19"/>
+    <p:sldId id="278" r:id="rId20"/>
+    <p:sldId id="279" r:id="rId21"/>
+    <p:sldId id="265" r:id="rId22"/>
+    <p:sldId id="268" r:id="rId23"/>
+    <p:sldId id="269" r:id="rId24"/>
   </p:sldIdLst>
   <p:sldSz cx="9144000" cy="6858000" type="screen4x3"/>
   <p:notesSz cx="6858000" cy="9144000"/>
@@ -559,6 +566,510 @@
 </p:notes>
 </file>
 
+<file path=ppt/notesSlides/notesSlide10.xml><?xml version="1.0" encoding="utf-8"?>
+<p:notes xmlns:a="http://schemas.openxmlformats.org/drawingml/2006/main" xmlns:r="http://schemas.openxmlformats.org/officeDocument/2006/relationships" xmlns:p="http://schemas.openxmlformats.org/presentationml/2006/main">
+  <p:cSld>
+    <p:spTree>
+      <p:nvGrpSpPr>
+        <p:cNvPr id="1" name=""/>
+        <p:cNvGrpSpPr/>
+        <p:nvPr/>
+      </p:nvGrpSpPr>
+      <p:grpSpPr>
+        <a:xfrm>
+          <a:off x="0" y="0"/>
+          <a:ext cx="0" cy="0"/>
+          <a:chOff x="0" y="0"/>
+          <a:chExt cx="0" cy="0"/>
+        </a:xfrm>
+      </p:grpSpPr>
+      <p:sp>
+        <p:nvSpPr>
+          <p:cNvPr id="2" name="Slide Image Placeholder 1"/>
+          <p:cNvSpPr>
+            <a:spLocks noGrp="1" noRot="1" noChangeAspect="1"/>
+          </p:cNvSpPr>
+          <p:nvPr>
+            <p:ph type="sldImg"/>
+          </p:nvPr>
+        </p:nvSpPr>
+        <p:spPr/>
+      </p:sp>
+      <p:sp>
+        <p:nvSpPr>
+          <p:cNvPr id="3" name="Notes Placeholder 2"/>
+          <p:cNvSpPr>
+            <a:spLocks noGrp="1"/>
+          </p:cNvSpPr>
+          <p:nvPr>
+            <p:ph type="body" idx="1"/>
+          </p:nvPr>
+        </p:nvSpPr>
+        <p:spPr/>
+        <p:txBody>
+          <a:bodyPr/>
+          <a:lstStyle/>
+          <a:p>
+            <a:endParaRPr lang="en-US" dirty="0"/>
+          </a:p>
+        </p:txBody>
+      </p:sp>
+      <p:sp>
+        <p:nvSpPr>
+          <p:cNvPr id="4" name="Slide Number Placeholder 3"/>
+          <p:cNvSpPr>
+            <a:spLocks noGrp="1"/>
+          </p:cNvSpPr>
+          <p:nvPr>
+            <p:ph type="sldNum" sz="quarter" idx="10"/>
+          </p:nvPr>
+        </p:nvSpPr>
+        <p:spPr/>
+        <p:txBody>
+          <a:bodyPr/>
+          <a:lstStyle/>
+          <a:p>
+            <a:fld id="{F942C674-B822-D549-AC42-73FDDE65401A}" type="slidenum">
+              <a:rPr lang="en-US" smtClean="0"/>
+              <a:t>15</a:t>
+            </a:fld>
+            <a:endParaRPr lang="en-US"/>
+          </a:p>
+        </p:txBody>
+      </p:sp>
+    </p:spTree>
+    <p:extLst>
+      <p:ext uri="{BB962C8B-B14F-4D97-AF65-F5344CB8AC3E}">
+        <p14:creationId xmlns:p14="http://schemas.microsoft.com/office/powerpoint/2010/main" val="1167359723"/>
+      </p:ext>
+    </p:extLst>
+  </p:cSld>
+  <p:clrMapOvr>
+    <a:masterClrMapping/>
+  </p:clrMapOvr>
+</p:notes>
+</file>
+
+<file path=ppt/notesSlides/notesSlide11.xml><?xml version="1.0" encoding="utf-8"?>
+<p:notes xmlns:a="http://schemas.openxmlformats.org/drawingml/2006/main" xmlns:r="http://schemas.openxmlformats.org/officeDocument/2006/relationships" xmlns:p="http://schemas.openxmlformats.org/presentationml/2006/main">
+  <p:cSld>
+    <p:spTree>
+      <p:nvGrpSpPr>
+        <p:cNvPr id="1" name=""/>
+        <p:cNvGrpSpPr/>
+        <p:nvPr/>
+      </p:nvGrpSpPr>
+      <p:grpSpPr>
+        <a:xfrm>
+          <a:off x="0" y="0"/>
+          <a:ext cx="0" cy="0"/>
+          <a:chOff x="0" y="0"/>
+          <a:chExt cx="0" cy="0"/>
+        </a:xfrm>
+      </p:grpSpPr>
+      <p:sp>
+        <p:nvSpPr>
+          <p:cNvPr id="2" name="Slide Image Placeholder 1"/>
+          <p:cNvSpPr>
+            <a:spLocks noGrp="1" noRot="1" noChangeAspect="1"/>
+          </p:cNvSpPr>
+          <p:nvPr>
+            <p:ph type="sldImg"/>
+          </p:nvPr>
+        </p:nvSpPr>
+        <p:spPr/>
+      </p:sp>
+      <p:sp>
+        <p:nvSpPr>
+          <p:cNvPr id="3" name="Notes Placeholder 2"/>
+          <p:cNvSpPr>
+            <a:spLocks noGrp="1"/>
+          </p:cNvSpPr>
+          <p:nvPr>
+            <p:ph type="body" idx="1"/>
+          </p:nvPr>
+        </p:nvSpPr>
+        <p:spPr/>
+        <p:txBody>
+          <a:bodyPr/>
+          <a:lstStyle/>
+          <a:p>
+            <a:endParaRPr lang="en-US" dirty="0"/>
+          </a:p>
+        </p:txBody>
+      </p:sp>
+      <p:sp>
+        <p:nvSpPr>
+          <p:cNvPr id="4" name="Slide Number Placeholder 3"/>
+          <p:cNvSpPr>
+            <a:spLocks noGrp="1"/>
+          </p:cNvSpPr>
+          <p:nvPr>
+            <p:ph type="sldNum" sz="quarter" idx="10"/>
+          </p:nvPr>
+        </p:nvSpPr>
+        <p:spPr/>
+        <p:txBody>
+          <a:bodyPr/>
+          <a:lstStyle/>
+          <a:p>
+            <a:fld id="{F942C674-B822-D549-AC42-73FDDE65401A}" type="slidenum">
+              <a:rPr lang="en-US" smtClean="0"/>
+              <a:t>17</a:t>
+            </a:fld>
+            <a:endParaRPr lang="en-US"/>
+          </a:p>
+        </p:txBody>
+      </p:sp>
+    </p:spTree>
+    <p:extLst>
+      <p:ext uri="{BB962C8B-B14F-4D97-AF65-F5344CB8AC3E}">
+        <p14:creationId xmlns:p14="http://schemas.microsoft.com/office/powerpoint/2010/main" val="1167359723"/>
+      </p:ext>
+    </p:extLst>
+  </p:cSld>
+  <p:clrMapOvr>
+    <a:masterClrMapping/>
+  </p:clrMapOvr>
+</p:notes>
+</file>
+
+<file path=ppt/notesSlides/notesSlide12.xml><?xml version="1.0" encoding="utf-8"?>
+<p:notes xmlns:a="http://schemas.openxmlformats.org/drawingml/2006/main" xmlns:r="http://schemas.openxmlformats.org/officeDocument/2006/relationships" xmlns:p="http://schemas.openxmlformats.org/presentationml/2006/main">
+  <p:cSld>
+    <p:spTree>
+      <p:nvGrpSpPr>
+        <p:cNvPr id="1" name=""/>
+        <p:cNvGrpSpPr/>
+        <p:nvPr/>
+      </p:nvGrpSpPr>
+      <p:grpSpPr>
+        <a:xfrm>
+          <a:off x="0" y="0"/>
+          <a:ext cx="0" cy="0"/>
+          <a:chOff x="0" y="0"/>
+          <a:chExt cx="0" cy="0"/>
+        </a:xfrm>
+      </p:grpSpPr>
+      <p:sp>
+        <p:nvSpPr>
+          <p:cNvPr id="2" name="Slide Image Placeholder 1"/>
+          <p:cNvSpPr>
+            <a:spLocks noGrp="1" noRot="1" noChangeAspect="1"/>
+          </p:cNvSpPr>
+          <p:nvPr>
+            <p:ph type="sldImg"/>
+          </p:nvPr>
+        </p:nvSpPr>
+        <p:spPr/>
+      </p:sp>
+      <p:sp>
+        <p:nvSpPr>
+          <p:cNvPr id="3" name="Notes Placeholder 2"/>
+          <p:cNvSpPr>
+            <a:spLocks noGrp="1"/>
+          </p:cNvSpPr>
+          <p:nvPr>
+            <p:ph type="body" idx="1"/>
+          </p:nvPr>
+        </p:nvSpPr>
+        <p:spPr/>
+        <p:txBody>
+          <a:bodyPr/>
+          <a:lstStyle/>
+          <a:p>
+            <a:endParaRPr lang="en-US" dirty="0"/>
+          </a:p>
+        </p:txBody>
+      </p:sp>
+      <p:sp>
+        <p:nvSpPr>
+          <p:cNvPr id="4" name="Slide Number Placeholder 3"/>
+          <p:cNvSpPr>
+            <a:spLocks noGrp="1"/>
+          </p:cNvSpPr>
+          <p:nvPr>
+            <p:ph type="sldNum" sz="quarter" idx="10"/>
+          </p:nvPr>
+        </p:nvSpPr>
+        <p:spPr/>
+        <p:txBody>
+          <a:bodyPr/>
+          <a:lstStyle/>
+          <a:p>
+            <a:fld id="{F942C674-B822-D549-AC42-73FDDE65401A}" type="slidenum">
+              <a:rPr lang="en-US" smtClean="0"/>
+              <a:t>18</a:t>
+            </a:fld>
+            <a:endParaRPr lang="en-US"/>
+          </a:p>
+        </p:txBody>
+      </p:sp>
+    </p:spTree>
+    <p:extLst>
+      <p:ext uri="{BB962C8B-B14F-4D97-AF65-F5344CB8AC3E}">
+        <p14:creationId xmlns:p14="http://schemas.microsoft.com/office/powerpoint/2010/main" val="1167359723"/>
+      </p:ext>
+    </p:extLst>
+  </p:cSld>
+  <p:clrMapOvr>
+    <a:masterClrMapping/>
+  </p:clrMapOvr>
+</p:notes>
+</file>
+
+<file path=ppt/notesSlides/notesSlide13.xml><?xml version="1.0" encoding="utf-8"?>
+<p:notes xmlns:a="http://schemas.openxmlformats.org/drawingml/2006/main" xmlns:r="http://schemas.openxmlformats.org/officeDocument/2006/relationships" xmlns:p="http://schemas.openxmlformats.org/presentationml/2006/main">
+  <p:cSld>
+    <p:spTree>
+      <p:nvGrpSpPr>
+        <p:cNvPr id="1" name=""/>
+        <p:cNvGrpSpPr/>
+        <p:nvPr/>
+      </p:nvGrpSpPr>
+      <p:grpSpPr>
+        <a:xfrm>
+          <a:off x="0" y="0"/>
+          <a:ext cx="0" cy="0"/>
+          <a:chOff x="0" y="0"/>
+          <a:chExt cx="0" cy="0"/>
+        </a:xfrm>
+      </p:grpSpPr>
+      <p:sp>
+        <p:nvSpPr>
+          <p:cNvPr id="2" name="Slide Image Placeholder 1"/>
+          <p:cNvSpPr>
+            <a:spLocks noGrp="1" noRot="1" noChangeAspect="1"/>
+          </p:cNvSpPr>
+          <p:nvPr>
+            <p:ph type="sldImg"/>
+          </p:nvPr>
+        </p:nvSpPr>
+        <p:spPr/>
+      </p:sp>
+      <p:sp>
+        <p:nvSpPr>
+          <p:cNvPr id="3" name="Notes Placeholder 2"/>
+          <p:cNvSpPr>
+            <a:spLocks noGrp="1"/>
+          </p:cNvSpPr>
+          <p:nvPr>
+            <p:ph type="body" idx="1"/>
+          </p:nvPr>
+        </p:nvSpPr>
+        <p:spPr/>
+        <p:txBody>
+          <a:bodyPr/>
+          <a:lstStyle/>
+          <a:p>
+            <a:endParaRPr lang="en-US" dirty="0"/>
+          </a:p>
+        </p:txBody>
+      </p:sp>
+      <p:sp>
+        <p:nvSpPr>
+          <p:cNvPr id="4" name="Slide Number Placeholder 3"/>
+          <p:cNvSpPr>
+            <a:spLocks noGrp="1"/>
+          </p:cNvSpPr>
+          <p:nvPr>
+            <p:ph type="sldNum" sz="quarter" idx="10"/>
+          </p:nvPr>
+        </p:nvSpPr>
+        <p:spPr/>
+        <p:txBody>
+          <a:bodyPr/>
+          <a:lstStyle/>
+          <a:p>
+            <a:fld id="{F942C674-B822-D549-AC42-73FDDE65401A}" type="slidenum">
+              <a:rPr lang="en-US" smtClean="0"/>
+              <a:t>19</a:t>
+            </a:fld>
+            <a:endParaRPr lang="en-US"/>
+          </a:p>
+        </p:txBody>
+      </p:sp>
+    </p:spTree>
+    <p:extLst>
+      <p:ext uri="{BB962C8B-B14F-4D97-AF65-F5344CB8AC3E}">
+        <p14:creationId xmlns:p14="http://schemas.microsoft.com/office/powerpoint/2010/main" val="1167359723"/>
+      </p:ext>
+    </p:extLst>
+  </p:cSld>
+  <p:clrMapOvr>
+    <a:masterClrMapping/>
+  </p:clrMapOvr>
+</p:notes>
+</file>
+
+<file path=ppt/notesSlides/notesSlide14.xml><?xml version="1.0" encoding="utf-8"?>
+<p:notes xmlns:a="http://schemas.openxmlformats.org/drawingml/2006/main" xmlns:r="http://schemas.openxmlformats.org/officeDocument/2006/relationships" xmlns:p="http://schemas.openxmlformats.org/presentationml/2006/main">
+  <p:cSld>
+    <p:spTree>
+      <p:nvGrpSpPr>
+        <p:cNvPr id="1" name=""/>
+        <p:cNvGrpSpPr/>
+        <p:nvPr/>
+      </p:nvGrpSpPr>
+      <p:grpSpPr>
+        <a:xfrm>
+          <a:off x="0" y="0"/>
+          <a:ext cx="0" cy="0"/>
+          <a:chOff x="0" y="0"/>
+          <a:chExt cx="0" cy="0"/>
+        </a:xfrm>
+      </p:grpSpPr>
+      <p:sp>
+        <p:nvSpPr>
+          <p:cNvPr id="2" name="Slide Image Placeholder 1"/>
+          <p:cNvSpPr>
+            <a:spLocks noGrp="1" noRot="1" noChangeAspect="1"/>
+          </p:cNvSpPr>
+          <p:nvPr>
+            <p:ph type="sldImg"/>
+          </p:nvPr>
+        </p:nvSpPr>
+        <p:spPr/>
+      </p:sp>
+      <p:sp>
+        <p:nvSpPr>
+          <p:cNvPr id="3" name="Notes Placeholder 2"/>
+          <p:cNvSpPr>
+            <a:spLocks noGrp="1"/>
+          </p:cNvSpPr>
+          <p:nvPr>
+            <p:ph type="body" idx="1"/>
+          </p:nvPr>
+        </p:nvSpPr>
+        <p:spPr/>
+        <p:txBody>
+          <a:bodyPr/>
+          <a:lstStyle/>
+          <a:p>
+            <a:endParaRPr lang="en-US" dirty="0"/>
+          </a:p>
+        </p:txBody>
+      </p:sp>
+      <p:sp>
+        <p:nvSpPr>
+          <p:cNvPr id="4" name="Slide Number Placeholder 3"/>
+          <p:cNvSpPr>
+            <a:spLocks noGrp="1"/>
+          </p:cNvSpPr>
+          <p:nvPr>
+            <p:ph type="sldNum" sz="quarter" idx="10"/>
+          </p:nvPr>
+        </p:nvSpPr>
+        <p:spPr/>
+        <p:txBody>
+          <a:bodyPr/>
+          <a:lstStyle/>
+          <a:p>
+            <a:fld id="{F942C674-B822-D549-AC42-73FDDE65401A}" type="slidenum">
+              <a:rPr lang="en-US" smtClean="0"/>
+              <a:t>20</a:t>
+            </a:fld>
+            <a:endParaRPr lang="en-US"/>
+          </a:p>
+        </p:txBody>
+      </p:sp>
+    </p:spTree>
+    <p:extLst>
+      <p:ext uri="{BB962C8B-B14F-4D97-AF65-F5344CB8AC3E}">
+        <p14:creationId xmlns:p14="http://schemas.microsoft.com/office/powerpoint/2010/main" val="1167359723"/>
+      </p:ext>
+    </p:extLst>
+  </p:cSld>
+  <p:clrMapOvr>
+    <a:masterClrMapping/>
+  </p:clrMapOvr>
+</p:notes>
+</file>
+
+<file path=ppt/notesSlides/notesSlide15.xml><?xml version="1.0" encoding="utf-8"?>
+<p:notes xmlns:a="http://schemas.openxmlformats.org/drawingml/2006/main" xmlns:r="http://schemas.openxmlformats.org/officeDocument/2006/relationships" xmlns:p="http://schemas.openxmlformats.org/presentationml/2006/main">
+  <p:cSld>
+    <p:spTree>
+      <p:nvGrpSpPr>
+        <p:cNvPr id="1" name=""/>
+        <p:cNvGrpSpPr/>
+        <p:nvPr/>
+      </p:nvGrpSpPr>
+      <p:grpSpPr>
+        <a:xfrm>
+          <a:off x="0" y="0"/>
+          <a:ext cx="0" cy="0"/>
+          <a:chOff x="0" y="0"/>
+          <a:chExt cx="0" cy="0"/>
+        </a:xfrm>
+      </p:grpSpPr>
+      <p:sp>
+        <p:nvSpPr>
+          <p:cNvPr id="2" name="Slide Image Placeholder 1"/>
+          <p:cNvSpPr>
+            <a:spLocks noGrp="1" noRot="1" noChangeAspect="1"/>
+          </p:cNvSpPr>
+          <p:nvPr>
+            <p:ph type="sldImg"/>
+          </p:nvPr>
+        </p:nvSpPr>
+        <p:spPr/>
+      </p:sp>
+      <p:sp>
+        <p:nvSpPr>
+          <p:cNvPr id="3" name="Notes Placeholder 2"/>
+          <p:cNvSpPr>
+            <a:spLocks noGrp="1"/>
+          </p:cNvSpPr>
+          <p:nvPr>
+            <p:ph type="body" idx="1"/>
+          </p:nvPr>
+        </p:nvSpPr>
+        <p:spPr/>
+        <p:txBody>
+          <a:bodyPr/>
+          <a:lstStyle/>
+          <a:p>
+            <a:endParaRPr lang="en-US" dirty="0"/>
+          </a:p>
+        </p:txBody>
+      </p:sp>
+      <p:sp>
+        <p:nvSpPr>
+          <p:cNvPr id="4" name="Slide Number Placeholder 3"/>
+          <p:cNvSpPr>
+            <a:spLocks noGrp="1"/>
+          </p:cNvSpPr>
+          <p:nvPr>
+            <p:ph type="sldNum" sz="quarter" idx="10"/>
+          </p:nvPr>
+        </p:nvSpPr>
+        <p:spPr/>
+        <p:txBody>
+          <a:bodyPr/>
+          <a:lstStyle/>
+          <a:p>
+            <a:fld id="{F942C674-B822-D549-AC42-73FDDE65401A}" type="slidenum">
+              <a:rPr lang="en-US" smtClean="0"/>
+              <a:t>22</a:t>
+            </a:fld>
+            <a:endParaRPr lang="en-US"/>
+          </a:p>
+        </p:txBody>
+      </p:sp>
+    </p:spTree>
+    <p:extLst>
+      <p:ext uri="{BB962C8B-B14F-4D97-AF65-F5344CB8AC3E}">
+        <p14:creationId xmlns:p14="http://schemas.microsoft.com/office/powerpoint/2010/main" val="1167359723"/>
+      </p:ext>
+    </p:extLst>
+  </p:cSld>
+  <p:clrMapOvr>
+    <a:masterClrMapping/>
+  </p:clrMapOvr>
+</p:notes>
+</file>
+
 <file path=ppt/notesSlides/notesSlide2.xml><?xml version="1.0" encoding="utf-8"?>
 <p:notes xmlns:a="http://schemas.openxmlformats.org/drawingml/2006/main" xmlns:r="http://schemas.openxmlformats.org/officeDocument/2006/relationships" xmlns:p="http://schemas.openxmlformats.org/presentationml/2006/main">
   <p:cSld>
@@ -876,7 +1387,7 @@
           <a:p>
             <a:fld id="{F942C674-B822-D549-AC42-73FDDE65401A}" type="slidenum">
               <a:rPr lang="en-US" smtClean="0"/>
-              <a:t>9</a:t>
+              <a:t>8</a:t>
             </a:fld>
             <a:endParaRPr lang="en-US"/>
           </a:p>
@@ -960,7 +1471,7 @@
           <a:p>
             <a:fld id="{F942C674-B822-D549-AC42-73FDDE65401A}" type="slidenum">
               <a:rPr lang="en-US" smtClean="0"/>
-              <a:t>11</a:t>
+              <a:t>10</a:t>
             </a:fld>
             <a:endParaRPr lang="en-US"/>
           </a:p>
@@ -1044,7 +1555,7 @@
           <a:p>
             <a:fld id="{F942C674-B822-D549-AC42-73FDDE65401A}" type="slidenum">
               <a:rPr lang="en-US" smtClean="0"/>
-              <a:t>13</a:t>
+              <a:t>11</a:t>
             </a:fld>
             <a:endParaRPr lang="en-US"/>
           </a:p>
@@ -1128,7 +1639,91 @@
           <a:p>
             <a:fld id="{F942C674-B822-D549-AC42-73FDDE65401A}" type="slidenum">
               <a:rPr lang="en-US" smtClean="0"/>
-              <a:t>15</a:t>
+              <a:t>12</a:t>
+            </a:fld>
+            <a:endParaRPr lang="en-US"/>
+          </a:p>
+        </p:txBody>
+      </p:sp>
+    </p:spTree>
+    <p:extLst>
+      <p:ext uri="{BB962C8B-B14F-4D97-AF65-F5344CB8AC3E}">
+        <p14:creationId xmlns:p14="http://schemas.microsoft.com/office/powerpoint/2010/main" val="1167359723"/>
+      </p:ext>
+    </p:extLst>
+  </p:cSld>
+  <p:clrMapOvr>
+    <a:masterClrMapping/>
+  </p:clrMapOvr>
+</p:notes>
+</file>
+
+<file path=ppt/notesSlides/notesSlide9.xml><?xml version="1.0" encoding="utf-8"?>
+<p:notes xmlns:a="http://schemas.openxmlformats.org/drawingml/2006/main" xmlns:r="http://schemas.openxmlformats.org/officeDocument/2006/relationships" xmlns:p="http://schemas.openxmlformats.org/presentationml/2006/main">
+  <p:cSld>
+    <p:spTree>
+      <p:nvGrpSpPr>
+        <p:cNvPr id="1" name=""/>
+        <p:cNvGrpSpPr/>
+        <p:nvPr/>
+      </p:nvGrpSpPr>
+      <p:grpSpPr>
+        <a:xfrm>
+          <a:off x="0" y="0"/>
+          <a:ext cx="0" cy="0"/>
+          <a:chOff x="0" y="0"/>
+          <a:chExt cx="0" cy="0"/>
+        </a:xfrm>
+      </p:grpSpPr>
+      <p:sp>
+        <p:nvSpPr>
+          <p:cNvPr id="2" name="Slide Image Placeholder 1"/>
+          <p:cNvSpPr>
+            <a:spLocks noGrp="1" noRot="1" noChangeAspect="1"/>
+          </p:cNvSpPr>
+          <p:nvPr>
+            <p:ph type="sldImg"/>
+          </p:nvPr>
+        </p:nvSpPr>
+        <p:spPr/>
+      </p:sp>
+      <p:sp>
+        <p:nvSpPr>
+          <p:cNvPr id="3" name="Notes Placeholder 2"/>
+          <p:cNvSpPr>
+            <a:spLocks noGrp="1"/>
+          </p:cNvSpPr>
+          <p:nvPr>
+            <p:ph type="body" idx="1"/>
+          </p:nvPr>
+        </p:nvSpPr>
+        <p:spPr/>
+        <p:txBody>
+          <a:bodyPr/>
+          <a:lstStyle/>
+          <a:p>
+            <a:endParaRPr lang="en-US" dirty="0"/>
+          </a:p>
+        </p:txBody>
+      </p:sp>
+      <p:sp>
+        <p:nvSpPr>
+          <p:cNvPr id="4" name="Slide Number Placeholder 3"/>
+          <p:cNvSpPr>
+            <a:spLocks noGrp="1"/>
+          </p:cNvSpPr>
+          <p:nvPr>
+            <p:ph type="sldNum" sz="quarter" idx="10"/>
+          </p:nvPr>
+        </p:nvSpPr>
+        <p:spPr/>
+        <p:txBody>
+          <a:bodyPr/>
+          <a:lstStyle/>
+          <a:p>
+            <a:fld id="{F942C674-B822-D549-AC42-73FDDE65401A}" type="slidenum">
+              <a:rPr lang="en-US" smtClean="0"/>
+              <a:t>14</a:t>
             </a:fld>
             <a:endParaRPr lang="en-US"/>
           </a:p>
@@ -4667,7 +5262,7 @@
       </p:grpSpPr>
       <p:sp>
         <p:nvSpPr>
-          <p:cNvPr id="5" name="Title 4"/>
+          <p:cNvPr id="2" name="Title 1"/>
           <p:cNvSpPr>
             <a:spLocks noGrp="1"/>
           </p:cNvSpPr>
@@ -4682,7 +5277,7 @@
           <a:p>
             <a:r>
               <a:rPr lang="en-US" dirty="0" smtClean="0"/>
-              <a:t>Key Requirements</a:t>
+              <a:t>Physical Design	</a:t>
             </a:r>
             <a:endParaRPr lang="en-US" dirty="0"/>
           </a:p>
@@ -4695,22 +5290,78 @@
             <a:spLocks noGrp="1"/>
           </p:cNvSpPr>
           <p:nvPr>
-            <p:ph type="body" idx="1"/>
-          </p:nvPr>
-        </p:nvSpPr>
-        <p:spPr/>
-        <p:txBody>
-          <a:bodyPr/>
-          <a:lstStyle/>
-          <a:p>
-            <a:endParaRPr lang="en-US"/>
+            <p:ph type="body" idx="2"/>
+          </p:nvPr>
+        </p:nvSpPr>
+        <p:spPr/>
+        <p:txBody>
+          <a:bodyPr/>
+          <a:lstStyle/>
+          <a:p>
+            <a:endParaRPr lang="en-US" dirty="0"/>
+          </a:p>
+        </p:txBody>
+      </p:sp>
+      <p:sp>
+        <p:nvSpPr>
+          <p:cNvPr id="5" name="Content Placeholder 4"/>
+          <p:cNvSpPr>
+            <a:spLocks noGrp="1"/>
+          </p:cNvSpPr>
+          <p:nvPr>
+            <p:ph sz="half" idx="1"/>
+          </p:nvPr>
+        </p:nvSpPr>
+        <p:spPr/>
+        <p:txBody>
+          <a:bodyPr>
+            <a:normAutofit fontScale="92500" lnSpcReduction="10000"/>
+          </a:bodyPr>
+          <a:lstStyle/>
+          <a:p>
+            <a:r>
+              <a:rPr lang="en-US" dirty="0" smtClean="0"/>
+              <a:t>NXT brick placed sufficiently above mechanical components</a:t>
+            </a:r>
+          </a:p>
+          <a:p>
+            <a:r>
+              <a:rPr lang="en-US" dirty="0" smtClean="0"/>
+              <a:t>Two powered drive wheels</a:t>
+            </a:r>
+          </a:p>
+          <a:p>
+            <a:r>
+              <a:rPr lang="en-US" dirty="0" smtClean="0"/>
+              <a:t>Two swiveling tail-dragger wheels</a:t>
+            </a:r>
+          </a:p>
+          <a:p>
+            <a:pPr lvl="1"/>
+            <a:r>
+              <a:rPr lang="en-US" dirty="0" smtClean="0"/>
+              <a:t>Helps stabilize body during turns</a:t>
+            </a:r>
+          </a:p>
+          <a:p>
+            <a:r>
+              <a:rPr lang="en-US" dirty="0" smtClean="0"/>
+              <a:t>Overhead claw eliminates positioning issues with a forward-looking ultrasonic sensor</a:t>
+            </a:r>
+          </a:p>
+          <a:p>
+            <a:r>
+              <a:rPr lang="en-US" dirty="0" smtClean="0"/>
+              <a:t>Claw must exert sufficient pressure to maintain ball control</a:t>
+            </a:r>
+            <a:endParaRPr lang="en-US" dirty="0"/>
           </a:p>
         </p:txBody>
       </p:sp>
     </p:spTree>
     <p:extLst>
       <p:ext uri="{BB962C8B-B14F-4D97-AF65-F5344CB8AC3E}">
-        <p14:creationId xmlns:p14="http://schemas.microsoft.com/office/powerpoint/2010/main" val="2408341704"/>
+        <p14:creationId xmlns:p14="http://schemas.microsoft.com/office/powerpoint/2010/main" val="4255092046"/>
       </p:ext>
     </p:extLst>
   </p:cSld>
@@ -4754,7 +5405,7 @@
           <a:p>
             <a:r>
               <a:rPr lang="en-US" dirty="0" smtClean="0"/>
-              <a:t>Key Requirements</a:t>
+              <a:t>Physical Design	</a:t>
             </a:r>
             <a:endParaRPr lang="en-US" dirty="0"/>
           </a:p>
@@ -4794,6 +5445,10 @@
           <a:bodyPr/>
           <a:lstStyle/>
           <a:p>
+            <a:r>
+              <a:rPr lang="en-US" dirty="0" smtClean="0"/>
+              <a:t>Photo of the robot</a:t>
+            </a:r>
             <a:endParaRPr lang="en-US" dirty="0"/>
           </a:p>
         </p:txBody>
@@ -4801,7 +5456,7 @@
     </p:spTree>
     <p:extLst>
       <p:ext uri="{BB962C8B-B14F-4D97-AF65-F5344CB8AC3E}">
-        <p14:creationId xmlns:p14="http://schemas.microsoft.com/office/powerpoint/2010/main" val="3101750158"/>
+        <p14:creationId xmlns:p14="http://schemas.microsoft.com/office/powerpoint/2010/main" val="1606639037"/>
       </p:ext>
     </p:extLst>
   </p:cSld>
@@ -4830,7 +5485,7 @@
       </p:grpSpPr>
       <p:sp>
         <p:nvSpPr>
-          <p:cNvPr id="5" name="Title 4"/>
+          <p:cNvPr id="2" name="Title 1"/>
           <p:cNvSpPr>
             <a:spLocks noGrp="1"/>
           </p:cNvSpPr>
@@ -4845,7 +5500,7 @@
           <a:p>
             <a:r>
               <a:rPr lang="en-US" dirty="0" smtClean="0"/>
-              <a:t>Architectural Design</a:t>
+              <a:t>Physical Design	</a:t>
             </a:r>
             <a:endParaRPr lang="en-US" dirty="0"/>
           </a:p>
@@ -4858,22 +5513,45 @@
             <a:spLocks noGrp="1"/>
           </p:cNvSpPr>
           <p:nvPr>
-            <p:ph type="body" idx="1"/>
-          </p:nvPr>
-        </p:nvSpPr>
-        <p:spPr/>
-        <p:txBody>
-          <a:bodyPr/>
-          <a:lstStyle/>
-          <a:p>
-            <a:endParaRPr lang="en-US"/>
+            <p:ph type="body" idx="2"/>
+          </p:nvPr>
+        </p:nvSpPr>
+        <p:spPr/>
+        <p:txBody>
+          <a:bodyPr/>
+          <a:lstStyle/>
+          <a:p>
+            <a:endParaRPr lang="en-US" dirty="0"/>
+          </a:p>
+        </p:txBody>
+      </p:sp>
+      <p:sp>
+        <p:nvSpPr>
+          <p:cNvPr id="5" name="Content Placeholder 4"/>
+          <p:cNvSpPr>
+            <a:spLocks noGrp="1"/>
+          </p:cNvSpPr>
+          <p:nvPr>
+            <p:ph sz="half" idx="1"/>
+          </p:nvPr>
+        </p:nvSpPr>
+        <p:spPr/>
+        <p:txBody>
+          <a:bodyPr/>
+          <a:lstStyle/>
+          <a:p>
+            <a:r>
+              <a:rPr lang="en-US" dirty="0" smtClean="0"/>
+              <a:t>Detail photo of the sensors</a:t>
+            </a:r>
+            <a:endParaRPr lang="en-US" dirty="0"/>
           </a:p>
         </p:txBody>
       </p:sp>
     </p:spTree>
     <p:extLst>
       <p:ext uri="{BB962C8B-B14F-4D97-AF65-F5344CB8AC3E}">
-        <p14:creationId xmlns:p14="http://schemas.microsoft.com/office/powerpoint/2010/main" val="3562839245"/>
+        <p14:creationId xmlns:p14="http://schemas.microsoft.com/office/powerpoint/2010/main" val="992492027"/>
       </p:ext>
     </p:extLst>
   </p:cSld>
@@ -4902,7 +5580,7 @@
       </p:grpSpPr>
       <p:sp>
         <p:nvSpPr>
-          <p:cNvPr id="2" name="Title 1"/>
+          <p:cNvPr id="5" name="Title 4"/>
           <p:cNvSpPr>
             <a:spLocks noGrp="1"/>
           </p:cNvSpPr>
@@ -4917,7 +5595,7 @@
           <a:p>
             <a:r>
               <a:rPr lang="en-US" dirty="0" smtClean="0"/>
-              <a:t>Architectural Design</a:t>
+              <a:t>Key Requirements</a:t>
             </a:r>
             <a:endParaRPr lang="en-US" dirty="0"/>
           </a:p>
@@ -4930,41 +5608,22 @@
             <a:spLocks noGrp="1"/>
           </p:cNvSpPr>
           <p:nvPr>
-            <p:ph type="body" idx="2"/>
-          </p:nvPr>
-        </p:nvSpPr>
-        <p:spPr/>
-        <p:txBody>
-          <a:bodyPr/>
-          <a:lstStyle/>
-          <a:p>
-            <a:endParaRPr lang="en-US" dirty="0"/>
-          </a:p>
-        </p:txBody>
-      </p:sp>
-      <p:sp>
-        <p:nvSpPr>
-          <p:cNvPr id="5" name="Content Placeholder 4"/>
-          <p:cNvSpPr>
-            <a:spLocks noGrp="1"/>
-          </p:cNvSpPr>
-          <p:nvPr>
-            <p:ph sz="half" idx="1"/>
-          </p:nvPr>
-        </p:nvSpPr>
-        <p:spPr/>
-        <p:txBody>
-          <a:bodyPr/>
-          <a:lstStyle/>
-          <a:p>
-            <a:endParaRPr lang="en-US" dirty="0"/>
+            <p:ph type="body" idx="1"/>
+          </p:nvPr>
+        </p:nvSpPr>
+        <p:spPr/>
+        <p:txBody>
+          <a:bodyPr/>
+          <a:lstStyle/>
+          <a:p>
+            <a:endParaRPr lang="en-US"/>
           </a:p>
         </p:txBody>
       </p:sp>
     </p:spTree>
     <p:extLst>
       <p:ext uri="{BB962C8B-B14F-4D97-AF65-F5344CB8AC3E}">
-        <p14:creationId xmlns:p14="http://schemas.microsoft.com/office/powerpoint/2010/main" val="482622715"/>
+        <p14:creationId xmlns:p14="http://schemas.microsoft.com/office/powerpoint/2010/main" val="2408341704"/>
       </p:ext>
     </p:extLst>
   </p:cSld>
@@ -4993,7 +5652,7 @@
       </p:grpSpPr>
       <p:sp>
         <p:nvSpPr>
-          <p:cNvPr id="5" name="Title 4"/>
+          <p:cNvPr id="2" name="Title 1"/>
           <p:cNvSpPr>
             <a:spLocks noGrp="1"/>
           </p:cNvSpPr>
@@ -5008,7 +5667,7 @@
           <a:p>
             <a:r>
               <a:rPr lang="en-US" dirty="0" smtClean="0"/>
-              <a:t>Conclusion</a:t>
+              <a:t>Key Requirements</a:t>
             </a:r>
             <a:endParaRPr lang="en-US" dirty="0"/>
           </a:p>
@@ -5021,22 +5680,73 @@
             <a:spLocks noGrp="1"/>
           </p:cNvSpPr>
           <p:nvPr>
-            <p:ph type="body" idx="1"/>
-          </p:nvPr>
-        </p:nvSpPr>
-        <p:spPr/>
-        <p:txBody>
-          <a:bodyPr/>
-          <a:lstStyle/>
-          <a:p>
-            <a:endParaRPr lang="en-US"/>
+            <p:ph type="body" idx="2"/>
+          </p:nvPr>
+        </p:nvSpPr>
+        <p:spPr/>
+        <p:txBody>
+          <a:bodyPr/>
+          <a:lstStyle/>
+          <a:p>
+            <a:endParaRPr lang="en-US" dirty="0"/>
+          </a:p>
+        </p:txBody>
+      </p:sp>
+      <p:sp>
+        <p:nvSpPr>
+          <p:cNvPr id="5" name="Content Placeholder 4"/>
+          <p:cNvSpPr>
+            <a:spLocks noGrp="1"/>
+          </p:cNvSpPr>
+          <p:nvPr>
+            <p:ph sz="half" idx="1"/>
+          </p:nvPr>
+        </p:nvSpPr>
+        <p:spPr/>
+        <p:txBody>
+          <a:bodyPr/>
+          <a:lstStyle/>
+          <a:p>
+            <a:r>
+              <a:rPr lang="en-US" dirty="0" smtClean="0"/>
+              <a:t>Functional Requirements</a:t>
+            </a:r>
+          </a:p>
+          <a:p>
+            <a:pPr lvl="1"/>
+            <a:r>
+              <a:rPr lang="en-US" dirty="0" smtClean="0"/>
+              <a:t>Motion</a:t>
+            </a:r>
+          </a:p>
+          <a:p>
+            <a:pPr lvl="1"/>
+            <a:r>
+              <a:rPr lang="en-US" dirty="0" smtClean="0"/>
+              <a:t>Sensing</a:t>
+            </a:r>
+          </a:p>
+          <a:p>
+            <a:pPr lvl="1"/>
+            <a:r>
+              <a:rPr lang="en-US" dirty="0" smtClean="0"/>
+              <a:t>Manipulation</a:t>
+            </a:r>
+          </a:p>
+          <a:p>
+            <a:pPr lvl="1"/>
+            <a:r>
+              <a:rPr lang="en-US" dirty="0" smtClean="0"/>
+              <a:t>Navigation</a:t>
+            </a:r>
+            <a:endParaRPr lang="en-US" dirty="0"/>
           </a:p>
         </p:txBody>
       </p:sp>
     </p:spTree>
     <p:extLst>
       <p:ext uri="{BB962C8B-B14F-4D97-AF65-F5344CB8AC3E}">
-        <p14:creationId xmlns:p14="http://schemas.microsoft.com/office/powerpoint/2010/main" val="1838221276"/>
+        <p14:creationId xmlns:p14="http://schemas.microsoft.com/office/powerpoint/2010/main" val="3101750158"/>
       </p:ext>
     </p:extLst>
   </p:cSld>
@@ -5080,7 +5790,7 @@
           <a:p>
             <a:r>
               <a:rPr lang="en-US" dirty="0" smtClean="0"/>
-              <a:t>Conclusion</a:t>
+              <a:t>Key Requirements</a:t>
             </a:r>
             <a:endParaRPr lang="en-US" dirty="0"/>
           </a:p>
@@ -5120,14 +5830,38 @@
           <a:bodyPr/>
           <a:lstStyle/>
           <a:p>
-            <a:endParaRPr lang="en-US" dirty="0"/>
+            <a:r>
+              <a:rPr lang="en-US" dirty="0" smtClean="0"/>
+              <a:t>Non-functional requirements</a:t>
+            </a:r>
+          </a:p>
+          <a:p>
+            <a:pPr lvl="1"/>
+            <a:r>
+              <a:rPr lang="en-US" dirty="0" smtClean="0"/>
+              <a:t>Physical size</a:t>
+            </a:r>
+          </a:p>
+          <a:p>
+            <a:pPr lvl="1"/>
+            <a:r>
+              <a:rPr lang="en-US" dirty="0" smtClean="0"/>
+              <a:t>Behavioral restrictions</a:t>
+            </a:r>
+          </a:p>
+          <a:p>
+            <a:pPr lvl="1"/>
+            <a:r>
+              <a:rPr lang="en-US" dirty="0" smtClean="0"/>
+              <a:t>Software infrastructure</a:t>
+            </a:r>
           </a:p>
         </p:txBody>
       </p:sp>
     </p:spTree>
     <p:extLst>
       <p:ext uri="{BB962C8B-B14F-4D97-AF65-F5344CB8AC3E}">
-        <p14:creationId xmlns:p14="http://schemas.microsoft.com/office/powerpoint/2010/main" val="1681545773"/>
+        <p14:creationId xmlns:p14="http://schemas.microsoft.com/office/powerpoint/2010/main" val="3990199023"/>
       </p:ext>
     </p:extLst>
   </p:cSld>
@@ -5171,7 +5905,7 @@
           <a:p>
             <a:r>
               <a:rPr lang="en-US" dirty="0" smtClean="0"/>
-              <a:t>Q&amp;A</a:t>
+              <a:t>Architectural Design</a:t>
             </a:r>
             <a:endParaRPr lang="en-US" dirty="0"/>
           </a:p>
@@ -5199,7 +5933,331 @@
     </p:spTree>
     <p:extLst>
       <p:ext uri="{BB962C8B-B14F-4D97-AF65-F5344CB8AC3E}">
-        <p14:creationId xmlns:p14="http://schemas.microsoft.com/office/powerpoint/2010/main" val="3370833793"/>
+        <p14:creationId xmlns:p14="http://schemas.microsoft.com/office/powerpoint/2010/main" val="3562839245"/>
+      </p:ext>
+    </p:extLst>
+  </p:cSld>
+  <p:clrMapOvr>
+    <a:masterClrMapping/>
+  </p:clrMapOvr>
+</p:sld>
+</file>
+
+<file path=ppt/slides/slide17.xml><?xml version="1.0" encoding="utf-8"?>
+<p:sld xmlns:a="http://schemas.openxmlformats.org/drawingml/2006/main" xmlns:r="http://schemas.openxmlformats.org/officeDocument/2006/relationships" xmlns:p="http://schemas.openxmlformats.org/presentationml/2006/main">
+  <p:cSld>
+    <p:spTree>
+      <p:nvGrpSpPr>
+        <p:cNvPr id="1" name=""/>
+        <p:cNvGrpSpPr/>
+        <p:nvPr/>
+      </p:nvGrpSpPr>
+      <p:grpSpPr>
+        <a:xfrm>
+          <a:off x="0" y="0"/>
+          <a:ext cx="0" cy="0"/>
+          <a:chOff x="0" y="0"/>
+          <a:chExt cx="0" cy="0"/>
+        </a:xfrm>
+      </p:grpSpPr>
+      <p:sp>
+        <p:nvSpPr>
+          <p:cNvPr id="2" name="Title 1"/>
+          <p:cNvSpPr>
+            <a:spLocks noGrp="1"/>
+          </p:cNvSpPr>
+          <p:nvPr>
+            <p:ph type="title"/>
+          </p:nvPr>
+        </p:nvSpPr>
+        <p:spPr/>
+        <p:txBody>
+          <a:bodyPr/>
+          <a:lstStyle/>
+          <a:p>
+            <a:r>
+              <a:rPr lang="en-US" dirty="0" smtClean="0"/>
+              <a:t>Architectural Design</a:t>
+            </a:r>
+            <a:endParaRPr lang="en-US" dirty="0"/>
+          </a:p>
+        </p:txBody>
+      </p:sp>
+      <p:sp>
+        <p:nvSpPr>
+          <p:cNvPr id="6" name="Text Placeholder 5"/>
+          <p:cNvSpPr>
+            <a:spLocks noGrp="1"/>
+          </p:cNvSpPr>
+          <p:nvPr>
+            <p:ph type="body" idx="2"/>
+          </p:nvPr>
+        </p:nvSpPr>
+        <p:spPr/>
+        <p:txBody>
+          <a:bodyPr/>
+          <a:lstStyle/>
+          <a:p>
+            <a:endParaRPr lang="en-US" dirty="0"/>
+          </a:p>
+        </p:txBody>
+      </p:sp>
+      <p:sp>
+        <p:nvSpPr>
+          <p:cNvPr id="5" name="Content Placeholder 4"/>
+          <p:cNvSpPr>
+            <a:spLocks noGrp="1"/>
+          </p:cNvSpPr>
+          <p:nvPr>
+            <p:ph sz="half" idx="1"/>
+          </p:nvPr>
+        </p:nvSpPr>
+        <p:spPr/>
+        <p:txBody>
+          <a:bodyPr/>
+          <a:lstStyle/>
+          <a:p>
+            <a:r>
+              <a:rPr lang="en-US" dirty="0" smtClean="0"/>
+              <a:t>Essentially </a:t>
+            </a:r>
+            <a:r>
+              <a:rPr lang="en-US" dirty="0" err="1" smtClean="0"/>
+              <a:t>Firby’s</a:t>
+            </a:r>
+            <a:r>
+              <a:rPr lang="en-US" dirty="0" smtClean="0"/>
+              <a:t> three-layer architecture</a:t>
+            </a:r>
+          </a:p>
+          <a:p>
+            <a:pPr lvl="1"/>
+            <a:r>
+              <a:rPr lang="en-US" dirty="0" smtClean="0"/>
+              <a:t>Skill layer mapped to “Recipes”</a:t>
+            </a:r>
+          </a:p>
+          <a:p>
+            <a:pPr lvl="1"/>
+            <a:r>
+              <a:rPr lang="en-US" dirty="0" smtClean="0"/>
+              <a:t>Sequencing layer embodied by skill groupings</a:t>
+            </a:r>
+          </a:p>
+          <a:p>
+            <a:pPr lvl="1"/>
+            <a:r>
+              <a:rPr lang="en-US" dirty="0" smtClean="0"/>
+              <a:t>Planning imposed by overall state machine design</a:t>
+            </a:r>
+            <a:endParaRPr lang="en-US" dirty="0"/>
+          </a:p>
+        </p:txBody>
+      </p:sp>
+    </p:spTree>
+    <p:extLst>
+      <p:ext uri="{BB962C8B-B14F-4D97-AF65-F5344CB8AC3E}">
+        <p14:creationId xmlns:p14="http://schemas.microsoft.com/office/powerpoint/2010/main" val="482622715"/>
+      </p:ext>
+    </p:extLst>
+  </p:cSld>
+  <p:clrMapOvr>
+    <a:masterClrMapping/>
+  </p:clrMapOvr>
+</p:sld>
+</file>
+
+<file path=ppt/slides/slide18.xml><?xml version="1.0" encoding="utf-8"?>
+<p:sld xmlns:a="http://schemas.openxmlformats.org/drawingml/2006/main" xmlns:r="http://schemas.openxmlformats.org/officeDocument/2006/relationships" xmlns:p="http://schemas.openxmlformats.org/presentationml/2006/main">
+  <p:cSld>
+    <p:spTree>
+      <p:nvGrpSpPr>
+        <p:cNvPr id="1" name=""/>
+        <p:cNvGrpSpPr/>
+        <p:nvPr/>
+      </p:nvGrpSpPr>
+      <p:grpSpPr>
+        <a:xfrm>
+          <a:off x="0" y="0"/>
+          <a:ext cx="0" cy="0"/>
+          <a:chOff x="0" y="0"/>
+          <a:chExt cx="0" cy="0"/>
+        </a:xfrm>
+      </p:grpSpPr>
+      <p:sp>
+        <p:nvSpPr>
+          <p:cNvPr id="2" name="Title 1"/>
+          <p:cNvSpPr>
+            <a:spLocks noGrp="1"/>
+          </p:cNvSpPr>
+          <p:nvPr>
+            <p:ph type="title"/>
+          </p:nvPr>
+        </p:nvSpPr>
+        <p:spPr/>
+        <p:txBody>
+          <a:bodyPr/>
+          <a:lstStyle/>
+          <a:p>
+            <a:r>
+              <a:rPr lang="en-US" dirty="0" smtClean="0"/>
+              <a:t>Architectural Design</a:t>
+            </a:r>
+            <a:endParaRPr lang="en-US" dirty="0"/>
+          </a:p>
+        </p:txBody>
+      </p:sp>
+      <p:sp>
+        <p:nvSpPr>
+          <p:cNvPr id="6" name="Text Placeholder 5"/>
+          <p:cNvSpPr>
+            <a:spLocks noGrp="1"/>
+          </p:cNvSpPr>
+          <p:nvPr>
+            <p:ph type="body" idx="2"/>
+          </p:nvPr>
+        </p:nvSpPr>
+        <p:spPr/>
+        <p:txBody>
+          <a:bodyPr/>
+          <a:lstStyle/>
+          <a:p>
+            <a:endParaRPr lang="en-US" dirty="0"/>
+          </a:p>
+        </p:txBody>
+      </p:sp>
+      <p:sp>
+        <p:nvSpPr>
+          <p:cNvPr id="5" name="Content Placeholder 4"/>
+          <p:cNvSpPr>
+            <a:spLocks noGrp="1"/>
+          </p:cNvSpPr>
+          <p:nvPr>
+            <p:ph sz="half" idx="1"/>
+          </p:nvPr>
+        </p:nvSpPr>
+        <p:spPr/>
+        <p:txBody>
+          <a:bodyPr/>
+          <a:lstStyle/>
+          <a:p>
+            <a:r>
+              <a:rPr lang="en-US" dirty="0" smtClean="0"/>
+              <a:t>FSM</a:t>
+            </a:r>
+            <a:endParaRPr lang="en-US" dirty="0"/>
+          </a:p>
+        </p:txBody>
+      </p:sp>
+    </p:spTree>
+    <p:extLst>
+      <p:ext uri="{BB962C8B-B14F-4D97-AF65-F5344CB8AC3E}">
+        <p14:creationId xmlns:p14="http://schemas.microsoft.com/office/powerpoint/2010/main" val="985032711"/>
+      </p:ext>
+    </p:extLst>
+  </p:cSld>
+  <p:clrMapOvr>
+    <a:masterClrMapping/>
+  </p:clrMapOvr>
+</p:sld>
+</file>
+
+<file path=ppt/slides/slide19.xml><?xml version="1.0" encoding="utf-8"?>
+<p:sld xmlns:a="http://schemas.openxmlformats.org/drawingml/2006/main" xmlns:r="http://schemas.openxmlformats.org/officeDocument/2006/relationships" xmlns:p="http://schemas.openxmlformats.org/presentationml/2006/main">
+  <p:cSld>
+    <p:spTree>
+      <p:nvGrpSpPr>
+        <p:cNvPr id="1" name=""/>
+        <p:cNvGrpSpPr/>
+        <p:nvPr/>
+      </p:nvGrpSpPr>
+      <p:grpSpPr>
+        <a:xfrm>
+          <a:off x="0" y="0"/>
+          <a:ext cx="0" cy="0"/>
+          <a:chOff x="0" y="0"/>
+          <a:chExt cx="0" cy="0"/>
+        </a:xfrm>
+      </p:grpSpPr>
+      <p:sp>
+        <p:nvSpPr>
+          <p:cNvPr id="2" name="Title 1"/>
+          <p:cNvSpPr>
+            <a:spLocks noGrp="1"/>
+          </p:cNvSpPr>
+          <p:nvPr>
+            <p:ph type="title"/>
+          </p:nvPr>
+        </p:nvSpPr>
+        <p:spPr/>
+        <p:txBody>
+          <a:bodyPr/>
+          <a:lstStyle/>
+          <a:p>
+            <a:r>
+              <a:rPr lang="en-US" dirty="0" smtClean="0"/>
+              <a:t>Architectural Design</a:t>
+            </a:r>
+            <a:endParaRPr lang="en-US" dirty="0"/>
+          </a:p>
+        </p:txBody>
+      </p:sp>
+      <p:sp>
+        <p:nvSpPr>
+          <p:cNvPr id="6" name="Text Placeholder 5"/>
+          <p:cNvSpPr>
+            <a:spLocks noGrp="1"/>
+          </p:cNvSpPr>
+          <p:nvPr>
+            <p:ph type="body" idx="2"/>
+          </p:nvPr>
+        </p:nvSpPr>
+        <p:spPr/>
+        <p:txBody>
+          <a:bodyPr/>
+          <a:lstStyle/>
+          <a:p>
+            <a:endParaRPr lang="en-US" dirty="0"/>
+          </a:p>
+        </p:txBody>
+      </p:sp>
+      <p:sp>
+        <p:nvSpPr>
+          <p:cNvPr id="5" name="Content Placeholder 4"/>
+          <p:cNvSpPr>
+            <a:spLocks noGrp="1"/>
+          </p:cNvSpPr>
+          <p:nvPr>
+            <p:ph sz="half" idx="1"/>
+          </p:nvPr>
+        </p:nvSpPr>
+        <p:spPr/>
+        <p:txBody>
+          <a:bodyPr/>
+          <a:lstStyle/>
+          <a:p>
+            <a:r>
+              <a:rPr lang="en-US" dirty="0" err="1" smtClean="0"/>
+              <a:t>DifferentialPilot</a:t>
+            </a:r>
+            <a:endParaRPr lang="en-US" dirty="0" smtClean="0"/>
+          </a:p>
+          <a:p>
+            <a:r>
+              <a:rPr lang="en-US" dirty="0" err="1" smtClean="0"/>
+              <a:t>OdometryPostProvider</a:t>
+            </a:r>
+            <a:endParaRPr lang="en-US" dirty="0" smtClean="0"/>
+          </a:p>
+          <a:p>
+            <a:endParaRPr lang="en-US" dirty="0"/>
+          </a:p>
+        </p:txBody>
+      </p:sp>
+    </p:spTree>
+    <p:extLst>
+      <p:ext uri="{BB962C8B-B14F-4D97-AF65-F5344CB8AC3E}">
+        <p14:creationId xmlns:p14="http://schemas.microsoft.com/office/powerpoint/2010/main" val="4016446056"/>
       </p:ext>
     </p:extLst>
   </p:cSld>
@@ -5292,6 +6350,411 @@
     <p:extLst>
       <p:ext uri="{BB962C8B-B14F-4D97-AF65-F5344CB8AC3E}">
         <p14:creationId xmlns:p14="http://schemas.microsoft.com/office/powerpoint/2010/main" val="3868115481"/>
+      </p:ext>
+    </p:extLst>
+  </p:cSld>
+  <p:clrMapOvr>
+    <a:masterClrMapping/>
+  </p:clrMapOvr>
+</p:sld>
+</file>
+
+<file path=ppt/slides/slide20.xml><?xml version="1.0" encoding="utf-8"?>
+<p:sld xmlns:a="http://schemas.openxmlformats.org/drawingml/2006/main" xmlns:r="http://schemas.openxmlformats.org/officeDocument/2006/relationships" xmlns:p="http://schemas.openxmlformats.org/presentationml/2006/main">
+  <p:cSld>
+    <p:spTree>
+      <p:nvGrpSpPr>
+        <p:cNvPr id="1" name=""/>
+        <p:cNvGrpSpPr/>
+        <p:nvPr/>
+      </p:nvGrpSpPr>
+      <p:grpSpPr>
+        <a:xfrm>
+          <a:off x="0" y="0"/>
+          <a:ext cx="0" cy="0"/>
+          <a:chOff x="0" y="0"/>
+          <a:chExt cx="0" cy="0"/>
+        </a:xfrm>
+      </p:grpSpPr>
+      <p:sp>
+        <p:nvSpPr>
+          <p:cNvPr id="2" name="Title 1"/>
+          <p:cNvSpPr>
+            <a:spLocks noGrp="1"/>
+          </p:cNvSpPr>
+          <p:nvPr>
+            <p:ph type="title"/>
+          </p:nvPr>
+        </p:nvSpPr>
+        <p:spPr/>
+        <p:txBody>
+          <a:bodyPr/>
+          <a:lstStyle/>
+          <a:p>
+            <a:r>
+              <a:rPr lang="en-US" dirty="0" smtClean="0"/>
+              <a:t>Architectural Design</a:t>
+            </a:r>
+            <a:endParaRPr lang="en-US" dirty="0"/>
+          </a:p>
+        </p:txBody>
+      </p:sp>
+      <p:sp>
+        <p:nvSpPr>
+          <p:cNvPr id="6" name="Text Placeholder 5"/>
+          <p:cNvSpPr>
+            <a:spLocks noGrp="1"/>
+          </p:cNvSpPr>
+          <p:nvPr>
+            <p:ph type="body" idx="2"/>
+          </p:nvPr>
+        </p:nvSpPr>
+        <p:spPr/>
+        <p:txBody>
+          <a:bodyPr/>
+          <a:lstStyle/>
+          <a:p>
+            <a:endParaRPr lang="en-US" dirty="0"/>
+          </a:p>
+        </p:txBody>
+      </p:sp>
+      <p:sp>
+        <p:nvSpPr>
+          <p:cNvPr id="5" name="Content Placeholder 4"/>
+          <p:cNvSpPr>
+            <a:spLocks noGrp="1"/>
+          </p:cNvSpPr>
+          <p:nvPr>
+            <p:ph sz="half" idx="1"/>
+          </p:nvPr>
+        </p:nvSpPr>
+        <p:spPr/>
+        <p:txBody>
+          <a:bodyPr/>
+          <a:lstStyle/>
+          <a:p>
+            <a:r>
+              <a:rPr lang="en-US" dirty="0" smtClean="0"/>
+              <a:t>Concerns</a:t>
+            </a:r>
+          </a:p>
+          <a:p>
+            <a:pPr lvl="1"/>
+            <a:r>
+              <a:rPr lang="en-US" dirty="0" smtClean="0"/>
+              <a:t>Positioning accuracy</a:t>
+            </a:r>
+          </a:p>
+          <a:p>
+            <a:pPr lvl="1"/>
+            <a:r>
+              <a:rPr lang="en-US" dirty="0" smtClean="0"/>
+              <a:t>Infinite regress of error-correcting</a:t>
+            </a:r>
+          </a:p>
+          <a:p>
+            <a:pPr lvl="1"/>
+            <a:r>
+              <a:rPr lang="en-US" dirty="0" smtClean="0"/>
+              <a:t>Exceptional handling</a:t>
+            </a:r>
+          </a:p>
+          <a:p>
+            <a:pPr lvl="1"/>
+            <a:r>
+              <a:rPr lang="en-US" dirty="0" smtClean="0"/>
+              <a:t>L/T/B</a:t>
+            </a:r>
+          </a:p>
+          <a:p>
+            <a:endParaRPr lang="en-US" dirty="0"/>
+          </a:p>
+        </p:txBody>
+      </p:sp>
+    </p:spTree>
+    <p:extLst>
+      <p:ext uri="{BB962C8B-B14F-4D97-AF65-F5344CB8AC3E}">
+        <p14:creationId xmlns:p14="http://schemas.microsoft.com/office/powerpoint/2010/main" val="545499287"/>
+      </p:ext>
+    </p:extLst>
+  </p:cSld>
+  <p:clrMapOvr>
+    <a:masterClrMapping/>
+  </p:clrMapOvr>
+</p:sld>
+</file>
+
+<file path=ppt/slides/slide21.xml><?xml version="1.0" encoding="utf-8"?>
+<p:sld xmlns:a="http://schemas.openxmlformats.org/drawingml/2006/main" xmlns:r="http://schemas.openxmlformats.org/officeDocument/2006/relationships" xmlns:p="http://schemas.openxmlformats.org/presentationml/2006/main">
+  <p:cSld>
+    <p:spTree>
+      <p:nvGrpSpPr>
+        <p:cNvPr id="1" name=""/>
+        <p:cNvGrpSpPr/>
+        <p:nvPr/>
+      </p:nvGrpSpPr>
+      <p:grpSpPr>
+        <a:xfrm>
+          <a:off x="0" y="0"/>
+          <a:ext cx="0" cy="0"/>
+          <a:chOff x="0" y="0"/>
+          <a:chExt cx="0" cy="0"/>
+        </a:xfrm>
+      </p:grpSpPr>
+      <p:sp>
+        <p:nvSpPr>
+          <p:cNvPr id="5" name="Title 4"/>
+          <p:cNvSpPr>
+            <a:spLocks noGrp="1"/>
+          </p:cNvSpPr>
+          <p:nvPr>
+            <p:ph type="title"/>
+          </p:nvPr>
+        </p:nvSpPr>
+        <p:spPr/>
+        <p:txBody>
+          <a:bodyPr/>
+          <a:lstStyle/>
+          <a:p>
+            <a:r>
+              <a:rPr lang="en-US" dirty="0" smtClean="0"/>
+              <a:t>Conclusion</a:t>
+            </a:r>
+            <a:endParaRPr lang="en-US" dirty="0"/>
+          </a:p>
+        </p:txBody>
+      </p:sp>
+      <p:sp>
+        <p:nvSpPr>
+          <p:cNvPr id="6" name="Text Placeholder 5"/>
+          <p:cNvSpPr>
+            <a:spLocks noGrp="1"/>
+          </p:cNvSpPr>
+          <p:nvPr>
+            <p:ph type="body" idx="1"/>
+          </p:nvPr>
+        </p:nvSpPr>
+        <p:spPr/>
+        <p:txBody>
+          <a:bodyPr/>
+          <a:lstStyle/>
+          <a:p>
+            <a:endParaRPr lang="en-US"/>
+          </a:p>
+        </p:txBody>
+      </p:sp>
+    </p:spTree>
+    <p:extLst>
+      <p:ext uri="{BB962C8B-B14F-4D97-AF65-F5344CB8AC3E}">
+        <p14:creationId xmlns:p14="http://schemas.microsoft.com/office/powerpoint/2010/main" val="1838221276"/>
+      </p:ext>
+    </p:extLst>
+  </p:cSld>
+  <p:clrMapOvr>
+    <a:masterClrMapping/>
+  </p:clrMapOvr>
+</p:sld>
+</file>
+
+<file path=ppt/slides/slide22.xml><?xml version="1.0" encoding="utf-8"?>
+<p:sld xmlns:a="http://schemas.openxmlformats.org/drawingml/2006/main" xmlns:r="http://schemas.openxmlformats.org/officeDocument/2006/relationships" xmlns:p="http://schemas.openxmlformats.org/presentationml/2006/main">
+  <p:cSld>
+    <p:spTree>
+      <p:nvGrpSpPr>
+        <p:cNvPr id="1" name=""/>
+        <p:cNvGrpSpPr/>
+        <p:nvPr/>
+      </p:nvGrpSpPr>
+      <p:grpSpPr>
+        <a:xfrm>
+          <a:off x="0" y="0"/>
+          <a:ext cx="0" cy="0"/>
+          <a:chOff x="0" y="0"/>
+          <a:chExt cx="0" cy="0"/>
+        </a:xfrm>
+      </p:grpSpPr>
+      <p:sp>
+        <p:nvSpPr>
+          <p:cNvPr id="2" name="Title 1"/>
+          <p:cNvSpPr>
+            <a:spLocks noGrp="1"/>
+          </p:cNvSpPr>
+          <p:nvPr>
+            <p:ph type="title"/>
+          </p:nvPr>
+        </p:nvSpPr>
+        <p:spPr/>
+        <p:txBody>
+          <a:bodyPr/>
+          <a:lstStyle/>
+          <a:p>
+            <a:r>
+              <a:rPr lang="en-US" dirty="0" smtClean="0"/>
+              <a:t>Conclusion</a:t>
+            </a:r>
+            <a:endParaRPr lang="en-US" dirty="0"/>
+          </a:p>
+        </p:txBody>
+      </p:sp>
+      <p:sp>
+        <p:nvSpPr>
+          <p:cNvPr id="6" name="Text Placeholder 5"/>
+          <p:cNvSpPr>
+            <a:spLocks noGrp="1"/>
+          </p:cNvSpPr>
+          <p:nvPr>
+            <p:ph type="body" idx="2"/>
+          </p:nvPr>
+        </p:nvSpPr>
+        <p:spPr/>
+        <p:txBody>
+          <a:bodyPr/>
+          <a:lstStyle/>
+          <a:p>
+            <a:endParaRPr lang="en-US" dirty="0"/>
+          </a:p>
+        </p:txBody>
+      </p:sp>
+      <p:sp>
+        <p:nvSpPr>
+          <p:cNvPr id="5" name="Content Placeholder 4"/>
+          <p:cNvSpPr>
+            <a:spLocks noGrp="1"/>
+          </p:cNvSpPr>
+          <p:nvPr>
+            <p:ph sz="half" idx="1"/>
+          </p:nvPr>
+        </p:nvSpPr>
+        <p:spPr/>
+        <p:txBody>
+          <a:bodyPr/>
+          <a:lstStyle/>
+          <a:p>
+            <a:r>
+              <a:rPr lang="en-US" dirty="0" smtClean="0"/>
+              <a:t>Success factors</a:t>
+            </a:r>
+          </a:p>
+          <a:p>
+            <a:pPr lvl="1"/>
+            <a:r>
+              <a:rPr lang="en-US" dirty="0" smtClean="0"/>
+              <a:t>Simple hardware interface (only one NXT brick)</a:t>
+            </a:r>
+          </a:p>
+          <a:p>
+            <a:pPr lvl="1"/>
+            <a:r>
+              <a:rPr lang="en-US" dirty="0" smtClean="0"/>
+              <a:t>Streamlined software enables rapid development</a:t>
+            </a:r>
+          </a:p>
+          <a:p>
+            <a:r>
+              <a:rPr lang="en-US" dirty="0" smtClean="0"/>
+              <a:t>Failure factors</a:t>
+            </a:r>
+          </a:p>
+          <a:p>
+            <a:pPr lvl="1"/>
+            <a:r>
+              <a:rPr lang="en-US" dirty="0" smtClean="0"/>
+              <a:t>Environmental complexity</a:t>
+            </a:r>
+          </a:p>
+          <a:p>
+            <a:pPr lvl="2"/>
+            <a:r>
+              <a:rPr lang="en-US" dirty="0" smtClean="0"/>
+              <a:t>Ball positioning, boundary location, etc.</a:t>
+            </a:r>
+          </a:p>
+          <a:p>
+            <a:pPr lvl="1"/>
+            <a:r>
+              <a:rPr lang="en-US" dirty="0" smtClean="0"/>
+              <a:t>Finite state machine can only manage what situations we have imagined</a:t>
+            </a:r>
+            <a:endParaRPr lang="en-US" dirty="0"/>
+          </a:p>
+        </p:txBody>
+      </p:sp>
+    </p:spTree>
+    <p:extLst>
+      <p:ext uri="{BB962C8B-B14F-4D97-AF65-F5344CB8AC3E}">
+        <p14:creationId xmlns:p14="http://schemas.microsoft.com/office/powerpoint/2010/main" val="1681545773"/>
+      </p:ext>
+    </p:extLst>
+  </p:cSld>
+  <p:clrMapOvr>
+    <a:masterClrMapping/>
+  </p:clrMapOvr>
+</p:sld>
+</file>
+
+<file path=ppt/slides/slide23.xml><?xml version="1.0" encoding="utf-8"?>
+<p:sld xmlns:a="http://schemas.openxmlformats.org/drawingml/2006/main" xmlns:r="http://schemas.openxmlformats.org/officeDocument/2006/relationships" xmlns:p="http://schemas.openxmlformats.org/presentationml/2006/main">
+  <p:cSld>
+    <p:spTree>
+      <p:nvGrpSpPr>
+        <p:cNvPr id="1" name=""/>
+        <p:cNvGrpSpPr/>
+        <p:nvPr/>
+      </p:nvGrpSpPr>
+      <p:grpSpPr>
+        <a:xfrm>
+          <a:off x="0" y="0"/>
+          <a:ext cx="0" cy="0"/>
+          <a:chOff x="0" y="0"/>
+          <a:chExt cx="0" cy="0"/>
+        </a:xfrm>
+      </p:grpSpPr>
+      <p:sp>
+        <p:nvSpPr>
+          <p:cNvPr id="5" name="Title 4"/>
+          <p:cNvSpPr>
+            <a:spLocks noGrp="1"/>
+          </p:cNvSpPr>
+          <p:nvPr>
+            <p:ph type="title"/>
+          </p:nvPr>
+        </p:nvSpPr>
+        <p:spPr/>
+        <p:txBody>
+          <a:bodyPr/>
+          <a:lstStyle/>
+          <a:p>
+            <a:r>
+              <a:rPr lang="en-US" dirty="0" smtClean="0"/>
+              <a:t>Q&amp;A</a:t>
+            </a:r>
+            <a:endParaRPr lang="en-US" dirty="0"/>
+          </a:p>
+        </p:txBody>
+      </p:sp>
+      <p:sp>
+        <p:nvSpPr>
+          <p:cNvPr id="6" name="Text Placeholder 5"/>
+          <p:cNvSpPr>
+            <a:spLocks noGrp="1"/>
+          </p:cNvSpPr>
+          <p:nvPr>
+            <p:ph type="body" idx="1"/>
+          </p:nvPr>
+        </p:nvSpPr>
+        <p:spPr/>
+        <p:txBody>
+          <a:bodyPr/>
+          <a:lstStyle/>
+          <a:p>
+            <a:endParaRPr lang="en-US"/>
+          </a:p>
+        </p:txBody>
+      </p:sp>
+    </p:spTree>
+    <p:extLst>
+      <p:ext uri="{BB962C8B-B14F-4D97-AF65-F5344CB8AC3E}">
+        <p14:creationId xmlns:p14="http://schemas.microsoft.com/office/powerpoint/2010/main" val="3370833793"/>
       </p:ext>
     </p:extLst>
   </p:cSld>
@@ -5453,54 +6916,35 @@
           <a:p>
             <a:r>
               <a:rPr lang="en-US" dirty="0" smtClean="0"/>
-              <a:t>Using </a:t>
-            </a:r>
-            <a:r>
-              <a:rPr lang="en-US" dirty="0" err="1" smtClean="0">
-                <a:latin typeface="Consolas"/>
-                <a:cs typeface="Consolas"/>
-              </a:rPr>
-              <a:t>DifferentialPilot</a:t>
-            </a:r>
+              <a:t>Modular hardware and software components</a:t>
+            </a:r>
+          </a:p>
+          <a:p>
+            <a:pPr lvl="1"/>
             <a:r>
               <a:rPr lang="en-US" dirty="0" smtClean="0"/>
-              <a:t> library</a:t>
+              <a:t>Re-use as much code from HW1 as possible</a:t>
             </a:r>
           </a:p>
           <a:p>
             <a:r>
               <a:rPr lang="en-US" dirty="0" smtClean="0"/>
-              <a:t>Search methodology</a:t>
-            </a:r>
-          </a:p>
-          <a:p>
-            <a:pPr lvl="1"/>
+              <a:t>Low-level routines to control basic movements</a:t>
+            </a:r>
+          </a:p>
+          <a:p>
             <a:r>
               <a:rPr lang="en-US" dirty="0" smtClean="0"/>
-              <a:t>Traverse entire playing field, then search back towards home position</a:t>
-            </a:r>
-          </a:p>
-          <a:p>
-            <a:pPr lvl="1"/>
+              <a:t>Use </a:t>
+            </a:r>
+            <a:r>
+              <a:rPr lang="en-US" dirty="0" err="1" smtClean="0"/>
+              <a:t>leJOS</a:t>
+            </a:r>
             <a:r>
               <a:rPr lang="en-US" dirty="0" smtClean="0"/>
-              <a:t>Use data from </a:t>
-            </a:r>
-            <a:r>
-              <a:rPr lang="en-US" dirty="0" err="1" smtClean="0">
-                <a:latin typeface="Consolas"/>
-                <a:cs typeface="Consolas"/>
-              </a:rPr>
-              <a:t>DifferentialPilot</a:t>
-            </a:r>
-            <a:r>
-              <a:rPr lang="en-US" dirty="0" smtClean="0"/>
-              <a:t> to determine home position</a:t>
-            </a:r>
-          </a:p>
-          <a:p>
-            <a:pPr lvl="1"/>
-            <a:endParaRPr lang="en-US" dirty="0"/>
+              <a:t>-provided libraries for mapping</a:t>
+            </a:r>
           </a:p>
         </p:txBody>
       </p:sp>
@@ -5617,6 +7061,105 @@
 </file>
 
 <file path=ppt/slides/slide6.xml><?xml version="1.0" encoding="utf-8"?>
+<p:sld xmlns:a="http://schemas.openxmlformats.org/drawingml/2006/main" xmlns:r="http://schemas.openxmlformats.org/officeDocument/2006/relationships" xmlns:p="http://schemas.openxmlformats.org/presentationml/2006/main">
+  <p:cSld>
+    <p:spTree>
+      <p:nvGrpSpPr>
+        <p:cNvPr id="1" name=""/>
+        <p:cNvGrpSpPr/>
+        <p:nvPr/>
+      </p:nvGrpSpPr>
+      <p:grpSpPr>
+        <a:xfrm>
+          <a:off x="0" y="0"/>
+          <a:ext cx="0" cy="0"/>
+          <a:chOff x="0" y="0"/>
+          <a:chExt cx="0" cy="0"/>
+        </a:xfrm>
+      </p:grpSpPr>
+      <p:sp>
+        <p:nvSpPr>
+          <p:cNvPr id="2" name="Title 1"/>
+          <p:cNvSpPr>
+            <a:spLocks noGrp="1"/>
+          </p:cNvSpPr>
+          <p:nvPr>
+            <p:ph type="title"/>
+          </p:nvPr>
+        </p:nvSpPr>
+        <p:spPr/>
+        <p:txBody>
+          <a:bodyPr/>
+          <a:lstStyle/>
+          <a:p>
+            <a:r>
+              <a:rPr lang="en-US" dirty="0" smtClean="0"/>
+              <a:t>Solution Strategy</a:t>
+            </a:r>
+            <a:endParaRPr lang="en-US" dirty="0"/>
+          </a:p>
+        </p:txBody>
+      </p:sp>
+      <p:sp>
+        <p:nvSpPr>
+          <p:cNvPr id="6" name="Text Placeholder 5"/>
+          <p:cNvSpPr>
+            <a:spLocks noGrp="1"/>
+          </p:cNvSpPr>
+          <p:nvPr>
+            <p:ph type="body" idx="2"/>
+          </p:nvPr>
+        </p:nvSpPr>
+        <p:spPr/>
+        <p:txBody>
+          <a:bodyPr/>
+          <a:lstStyle/>
+          <a:p>
+            <a:r>
+              <a:rPr lang="en-US" dirty="0" smtClean="0"/>
+              <a:t>Movement &amp; Navigation</a:t>
+            </a:r>
+            <a:endParaRPr lang="en-US" dirty="0"/>
+          </a:p>
+        </p:txBody>
+      </p:sp>
+      <p:sp>
+        <p:nvSpPr>
+          <p:cNvPr id="3" name="Content Placeholder 2"/>
+          <p:cNvSpPr>
+            <a:spLocks noGrp="1"/>
+          </p:cNvSpPr>
+          <p:nvPr>
+            <p:ph sz="half" idx="1"/>
+          </p:nvPr>
+        </p:nvSpPr>
+        <p:spPr/>
+        <p:txBody>
+          <a:bodyPr/>
+          <a:lstStyle/>
+          <a:p>
+            <a:r>
+              <a:rPr lang="en-US" dirty="0" smtClean="0"/>
+              <a:t>Demo video</a:t>
+            </a:r>
+            <a:endParaRPr lang="en-US" dirty="0"/>
+          </a:p>
+        </p:txBody>
+      </p:sp>
+    </p:spTree>
+    <p:extLst>
+      <p:ext uri="{BB962C8B-B14F-4D97-AF65-F5344CB8AC3E}">
+        <p14:creationId xmlns:p14="http://schemas.microsoft.com/office/powerpoint/2010/main" val="1195823640"/>
+      </p:ext>
+    </p:extLst>
+  </p:cSld>
+  <p:clrMapOvr>
+    <a:masterClrMapping/>
+  </p:clrMapOvr>
+</p:sld>
+</file>
+
+<file path=ppt/slides/slide7.xml><?xml version="1.0" encoding="utf-8"?>
 <p:sld xmlns:a="http://schemas.openxmlformats.org/drawingml/2006/main" xmlns:r="http://schemas.openxmlformats.org/officeDocument/2006/relationships" xmlns:p="http://schemas.openxmlformats.org/presentationml/2006/main">
   <p:cSld>
     <p:spTree>
@@ -5720,130 +7263,6 @@
 </p:sld>
 </file>
 
-<file path=ppt/slides/slide7.xml><?xml version="1.0" encoding="utf-8"?>
-<p:sld xmlns:a="http://schemas.openxmlformats.org/drawingml/2006/main" xmlns:r="http://schemas.openxmlformats.org/officeDocument/2006/relationships" xmlns:p="http://schemas.openxmlformats.org/presentationml/2006/main">
-  <p:cSld>
-    <p:spTree>
-      <p:nvGrpSpPr>
-        <p:cNvPr id="1" name=""/>
-        <p:cNvGrpSpPr/>
-        <p:nvPr/>
-      </p:nvGrpSpPr>
-      <p:grpSpPr>
-        <a:xfrm>
-          <a:off x="0" y="0"/>
-          <a:ext cx="0" cy="0"/>
-          <a:chOff x="0" y="0"/>
-          <a:chExt cx="0" cy="0"/>
-        </a:xfrm>
-      </p:grpSpPr>
-      <p:sp>
-        <p:nvSpPr>
-          <p:cNvPr id="2" name="Title 1"/>
-          <p:cNvSpPr>
-            <a:spLocks noGrp="1"/>
-          </p:cNvSpPr>
-          <p:nvPr>
-            <p:ph type="title"/>
-          </p:nvPr>
-        </p:nvSpPr>
-        <p:spPr/>
-        <p:txBody>
-          <a:bodyPr/>
-          <a:lstStyle/>
-          <a:p>
-            <a:r>
-              <a:rPr lang="en-US" dirty="0" smtClean="0"/>
-              <a:t>Solution Strategy</a:t>
-            </a:r>
-            <a:endParaRPr lang="en-US" dirty="0"/>
-          </a:p>
-        </p:txBody>
-      </p:sp>
-      <p:sp>
-        <p:nvSpPr>
-          <p:cNvPr id="6" name="Text Placeholder 5"/>
-          <p:cNvSpPr>
-            <a:spLocks noGrp="1"/>
-          </p:cNvSpPr>
-          <p:nvPr>
-            <p:ph type="body" idx="2"/>
-          </p:nvPr>
-        </p:nvSpPr>
-        <p:spPr/>
-        <p:txBody>
-          <a:bodyPr/>
-          <a:lstStyle/>
-          <a:p>
-            <a:r>
-              <a:rPr lang="en-US" dirty="0" smtClean="0"/>
-              <a:t>Object Identification &amp; Transport</a:t>
-            </a:r>
-            <a:endParaRPr lang="en-US" dirty="0"/>
-          </a:p>
-        </p:txBody>
-      </p:sp>
-      <p:sp>
-        <p:nvSpPr>
-          <p:cNvPr id="5" name="Content Placeholder 4"/>
-          <p:cNvSpPr>
-            <a:spLocks noGrp="1"/>
-          </p:cNvSpPr>
-          <p:nvPr>
-            <p:ph sz="half" idx="1"/>
-          </p:nvPr>
-        </p:nvSpPr>
-        <p:spPr/>
-        <p:txBody>
-          <a:bodyPr/>
-          <a:lstStyle/>
-          <a:p>
-            <a:r>
-              <a:rPr lang="en-US" dirty="0" smtClean="0"/>
-              <a:t>Ultrasonic sensor identifies balls</a:t>
-            </a:r>
-          </a:p>
-          <a:p>
-            <a:pPr lvl="1"/>
-            <a:r>
-              <a:rPr lang="en-US" dirty="0" smtClean="0"/>
-              <a:t>Effective range of 7 – 20 cm</a:t>
-            </a:r>
-          </a:p>
-          <a:p>
-            <a:pPr lvl="1"/>
-            <a:r>
-              <a:rPr lang="en-US" dirty="0" smtClean="0"/>
-              <a:t>Most effective when sensor is pointed at the center of the sphere</a:t>
-            </a:r>
-          </a:p>
-          <a:p>
-            <a:r>
-              <a:rPr lang="en-US" dirty="0" smtClean="0"/>
-              <a:t>Color sensor identifies ball color</a:t>
-            </a:r>
-          </a:p>
-          <a:p>
-            <a:r>
-              <a:rPr lang="en-US" dirty="0" smtClean="0"/>
-              <a:t>Articulated claw closes on ball</a:t>
-            </a:r>
-          </a:p>
-        </p:txBody>
-      </p:sp>
-    </p:spTree>
-    <p:extLst>
-      <p:ext uri="{BB962C8B-B14F-4D97-AF65-F5344CB8AC3E}">
-        <p14:creationId xmlns:p14="http://schemas.microsoft.com/office/powerpoint/2010/main" val="199736193"/>
-      </p:ext>
-    </p:extLst>
-  </p:cSld>
-  <p:clrMapOvr>
-    <a:masterClrMapping/>
-  </p:clrMapOvr>
-</p:sld>
-</file>
-
 <file path=ppt/slides/slide8.xml><?xml version="1.0" encoding="utf-8"?>
 <p:sld xmlns:a="http://schemas.openxmlformats.org/drawingml/2006/main" xmlns:r="http://schemas.openxmlformats.org/officeDocument/2006/relationships" xmlns:p="http://schemas.openxmlformats.org/presentationml/2006/main">
   <p:cSld>
@@ -5863,7 +7282,7 @@
       </p:grpSpPr>
       <p:sp>
         <p:nvSpPr>
-          <p:cNvPr id="5" name="Title 4"/>
+          <p:cNvPr id="2" name="Title 1"/>
           <p:cNvSpPr>
             <a:spLocks noGrp="1"/>
           </p:cNvSpPr>
@@ -5878,7 +7297,7 @@
           <a:p>
             <a:r>
               <a:rPr lang="en-US" dirty="0" smtClean="0"/>
-              <a:t>Physical Design</a:t>
+              <a:t>Solution Strategy</a:t>
             </a:r>
             <a:endParaRPr lang="en-US" dirty="0"/>
           </a:p>
@@ -5891,22 +7310,74 @@
             <a:spLocks noGrp="1"/>
           </p:cNvSpPr>
           <p:nvPr>
-            <p:ph type="body" idx="1"/>
-          </p:nvPr>
-        </p:nvSpPr>
-        <p:spPr/>
-        <p:txBody>
-          <a:bodyPr/>
-          <a:lstStyle/>
-          <a:p>
-            <a:endParaRPr lang="en-US"/>
+            <p:ph type="body" idx="2"/>
+          </p:nvPr>
+        </p:nvSpPr>
+        <p:spPr/>
+        <p:txBody>
+          <a:bodyPr/>
+          <a:lstStyle/>
+          <a:p>
+            <a:r>
+              <a:rPr lang="en-US" dirty="0" smtClean="0"/>
+              <a:t>Object Identification &amp; Transport</a:t>
+            </a:r>
+            <a:endParaRPr lang="en-US" dirty="0"/>
+          </a:p>
+        </p:txBody>
+      </p:sp>
+      <p:sp>
+        <p:nvSpPr>
+          <p:cNvPr id="5" name="Content Placeholder 4"/>
+          <p:cNvSpPr>
+            <a:spLocks noGrp="1"/>
+          </p:cNvSpPr>
+          <p:nvPr>
+            <p:ph sz="half" idx="1"/>
+          </p:nvPr>
+        </p:nvSpPr>
+        <p:spPr/>
+        <p:txBody>
+          <a:bodyPr/>
+          <a:lstStyle/>
+          <a:p>
+            <a:r>
+              <a:rPr lang="en-US" dirty="0" smtClean="0"/>
+              <a:t>Ultrasonic sensor identifies balls</a:t>
+            </a:r>
+          </a:p>
+          <a:p>
+            <a:pPr lvl="1"/>
+            <a:r>
+              <a:rPr lang="en-US" dirty="0" smtClean="0"/>
+              <a:t>Effective range of 7 – 20 cm</a:t>
+            </a:r>
+          </a:p>
+          <a:p>
+            <a:pPr lvl="1"/>
+            <a:r>
+              <a:rPr lang="en-US" dirty="0" smtClean="0"/>
+              <a:t>Most effective when sensor is pointed at the center of the sphere</a:t>
+            </a:r>
+          </a:p>
+          <a:p>
+            <a:r>
+              <a:rPr lang="en-US" dirty="0" smtClean="0"/>
+              <a:t>Color sensor identifies ball color</a:t>
+            </a:r>
+          </a:p>
+          <a:p>
+            <a:r>
+              <a:rPr lang="en-US" dirty="0" smtClean="0"/>
+              <a:t>Articulated claw closes on ball</a:t>
+            </a:r>
           </a:p>
         </p:txBody>
       </p:sp>
     </p:spTree>
     <p:extLst>
       <p:ext uri="{BB962C8B-B14F-4D97-AF65-F5344CB8AC3E}">
-        <p14:creationId xmlns:p14="http://schemas.microsoft.com/office/powerpoint/2010/main" val="2156515021"/>
+        <p14:creationId xmlns:p14="http://schemas.microsoft.com/office/powerpoint/2010/main" val="199736193"/>
       </p:ext>
     </p:extLst>
   </p:cSld>
@@ -5935,7 +7406,7 @@
       </p:grpSpPr>
       <p:sp>
         <p:nvSpPr>
-          <p:cNvPr id="2" name="Title 1"/>
+          <p:cNvPr id="5" name="Title 4"/>
           <p:cNvSpPr>
             <a:spLocks noGrp="1"/>
           </p:cNvSpPr>
@@ -5950,7 +7421,7 @@
           <a:p>
             <a:r>
               <a:rPr lang="en-US" dirty="0" smtClean="0"/>
-              <a:t>Physical Design	</a:t>
+              <a:t>Physical Design</a:t>
             </a:r>
             <a:endParaRPr lang="en-US" dirty="0"/>
           </a:p>
@@ -5963,63 +7434,22 @@
             <a:spLocks noGrp="1"/>
           </p:cNvSpPr>
           <p:nvPr>
-            <p:ph type="body" idx="2"/>
-          </p:nvPr>
-        </p:nvSpPr>
-        <p:spPr/>
-        <p:txBody>
-          <a:bodyPr/>
-          <a:lstStyle/>
-          <a:p>
-            <a:endParaRPr lang="en-US" dirty="0"/>
-          </a:p>
-        </p:txBody>
-      </p:sp>
-      <p:sp>
-        <p:nvSpPr>
-          <p:cNvPr id="5" name="Content Placeholder 4"/>
-          <p:cNvSpPr>
-            <a:spLocks noGrp="1"/>
-          </p:cNvSpPr>
-          <p:nvPr>
-            <p:ph sz="half" idx="1"/>
-          </p:nvPr>
-        </p:nvSpPr>
-        <p:spPr/>
-        <p:txBody>
-          <a:bodyPr/>
-          <a:lstStyle/>
-          <a:p>
-            <a:r>
-              <a:rPr lang="en-US" dirty="0" smtClean="0"/>
-              <a:t>Two powered drive wheel</a:t>
-            </a:r>
-          </a:p>
-          <a:p>
-            <a:r>
-              <a:rPr lang="en-US" dirty="0" smtClean="0"/>
-              <a:t>Two swiveling tail-dragger wheels</a:t>
-            </a:r>
-          </a:p>
-          <a:p>
-            <a:r>
-              <a:rPr lang="en-US" dirty="0" smtClean="0"/>
-              <a:t>Overhead claw eliminates positioning issues with the ultrasonic sensor</a:t>
-            </a:r>
-          </a:p>
-          <a:p>
-            <a:r>
-              <a:rPr lang="en-US" dirty="0" smtClean="0"/>
-              <a:t>Claw must exert sufficient pressure to maintain ball control</a:t>
-            </a:r>
-            <a:endParaRPr lang="en-US" dirty="0"/>
+            <p:ph type="body" idx="1"/>
+          </p:nvPr>
+        </p:nvSpPr>
+        <p:spPr/>
+        <p:txBody>
+          <a:bodyPr/>
+          <a:lstStyle/>
+          <a:p>
+            <a:endParaRPr lang="en-US"/>
           </a:p>
         </p:txBody>
       </p:sp>
     </p:spTree>
     <p:extLst>
       <p:ext uri="{BB962C8B-B14F-4D97-AF65-F5344CB8AC3E}">
-        <p14:creationId xmlns:p14="http://schemas.microsoft.com/office/powerpoint/2010/main" val="4255092046"/>
+        <p14:creationId xmlns:p14="http://schemas.microsoft.com/office/powerpoint/2010/main" val="2156515021"/>
       </p:ext>
     </p:extLst>
   </p:cSld>

--- a/PRES.pptx
+++ b/PRES.pptx
@@ -214,7 +214,7 @@
           <a:p>
             <a:fld id="{1558C802-E51F-AF4C-881E-8191390E349A}" type="datetimeFigureOut">
               <a:rPr lang="en-US" smtClean="0"/>
-              <a:t>2012/03/04</a:t>
+              <a:t>2012/03/05</a:t>
             </a:fld>
             <a:endParaRPr lang="en-US"/>
           </a:p>
@@ -1942,7 +1942,7 @@
             <a:pPr algn="l" eaLnBrk="1" latinLnBrk="0" hangingPunct="1"/>
             <a:fld id="{48D92626-37D2-4832-BF7A-BC283494A20D}" type="datetimeFigureOut">
               <a:rPr lang="en-US" smtClean="0"/>
-              <a:t>2012/03/04</a:t>
+              <a:t>2012/03/05</a:t>
             </a:fld>
             <a:endParaRPr lang="en-US"/>
           </a:p>
@@ -2123,7 +2123,7 @@
           <a:p>
             <a:fld id="{48D92626-37D2-4832-BF7A-BC283494A20D}" type="datetimeFigureOut">
               <a:rPr lang="en-US" smtClean="0"/>
-              <a:t>2012/03/04</a:t>
+              <a:t>2012/03/05</a:t>
             </a:fld>
             <a:endParaRPr lang="en-US"/>
           </a:p>
@@ -2291,7 +2291,7 @@
           <a:p>
             <a:fld id="{48D92626-37D2-4832-BF7A-BC283494A20D}" type="datetimeFigureOut">
               <a:rPr lang="en-US" smtClean="0"/>
-              <a:t>2012/03/04</a:t>
+              <a:t>2012/03/05</a:t>
             </a:fld>
             <a:endParaRPr lang="en-US"/>
           </a:p>
@@ -2500,7 +2500,7 @@
           <a:p>
             <a:fld id="{48D92626-37D2-4832-BF7A-BC283494A20D}" type="datetimeFigureOut">
               <a:rPr lang="en-US" smtClean="0"/>
-              <a:t>2012/03/04</a:t>
+              <a:t>2012/03/05</a:t>
             </a:fld>
             <a:endParaRPr lang="en-US"/>
           </a:p>
@@ -2775,7 +2775,7 @@
             <a:pPr algn="l" eaLnBrk="1" latinLnBrk="0" hangingPunct="1"/>
             <a:fld id="{48D92626-37D2-4832-BF7A-BC283494A20D}" type="datetimeFigureOut">
               <a:rPr lang="en-US" smtClean="0"/>
-              <a:t>2012/03/04</a:t>
+              <a:t>2012/03/05</a:t>
             </a:fld>
             <a:endParaRPr lang="en-US"/>
           </a:p>
@@ -3034,7 +3034,7 @@
           <a:p>
             <a:fld id="{48D92626-37D2-4832-BF7A-BC283494A20D}" type="datetimeFigureOut">
               <a:rPr lang="en-US" smtClean="0"/>
-              <a:t>2012/03/04</a:t>
+              <a:t>2012/03/05</a:t>
             </a:fld>
             <a:endParaRPr lang="en-US"/>
           </a:p>
@@ -3546,7 +3546,7 @@
           <a:p>
             <a:fld id="{48D92626-37D2-4832-BF7A-BC283494A20D}" type="datetimeFigureOut">
               <a:rPr lang="en-US" smtClean="0"/>
-              <a:t>2012/03/04</a:t>
+              <a:t>2012/03/05</a:t>
             </a:fld>
             <a:endParaRPr lang="en-US"/>
           </a:p>
@@ -3673,7 +3673,7 @@
           <a:p>
             <a:fld id="{48D92626-37D2-4832-BF7A-BC283494A20D}" type="datetimeFigureOut">
               <a:rPr lang="en-US" smtClean="0"/>
-              <a:t>2012/03/04</a:t>
+              <a:t>2012/03/05</a:t>
             </a:fld>
             <a:endParaRPr lang="en-US"/>
           </a:p>
@@ -3823,7 +3823,7 @@
           <a:p>
             <a:fld id="{48D92626-37D2-4832-BF7A-BC283494A20D}" type="datetimeFigureOut">
               <a:rPr lang="en-US" smtClean="0"/>
-              <a:t>2012/03/04</a:t>
+              <a:t>2012/03/05</a:t>
             </a:fld>
             <a:endParaRPr lang="en-US"/>
           </a:p>
@@ -4122,7 +4122,7 @@
             <a:pPr algn="l" eaLnBrk="1" latinLnBrk="0" hangingPunct="1"/>
             <a:fld id="{48D92626-37D2-4832-BF7A-BC283494A20D}" type="datetimeFigureOut">
               <a:rPr lang="en-US" smtClean="0"/>
-              <a:t>2012/03/04</a:t>
+              <a:t>2012/03/05</a:t>
             </a:fld>
             <a:endParaRPr lang="en-US"/>
           </a:p>
@@ -4409,7 +4409,7 @@
             <a:pPr algn="l" eaLnBrk="1" latinLnBrk="0" hangingPunct="1"/>
             <a:fld id="{48D92626-37D2-4832-BF7A-BC283494A20D}" type="datetimeFigureOut">
               <a:rPr lang="en-US" smtClean="0"/>
-              <a:t>2012/03/04</a:t>
+              <a:t>2012/03/05</a:t>
             </a:fld>
             <a:endParaRPr lang="en-US"/>
           </a:p>
@@ -4670,7 +4670,7 @@
             <a:pPr algn="l" eaLnBrk="1" latinLnBrk="0" hangingPunct="1"/>
             <a:fld id="{48D92626-37D2-4832-BF7A-BC283494A20D}" type="datetimeFigureOut">
               <a:rPr lang="en-US" smtClean="0"/>
-              <a:t>2012/03/04</a:t>
+              <a:t>2012/03/05</a:t>
             </a:fld>
             <a:endParaRPr lang="en-US" sz="1300" dirty="0">
               <a:solidFill>
@@ -5240,6 +5240,13 @@
   <p:clrMapOvr>
     <a:masterClrMapping/>
   </p:clrMapOvr>
+  <p:timing>
+    <p:tnLst>
+      <p:par>
+        <p:cTn xmlns:p14="http://schemas.microsoft.com/office/powerpoint/2010/main" id="1" dur="indefinite" restart="never" nodeType="tmRoot"/>
+      </p:par>
+    </p:tnLst>
+  </p:timing>
 </p:sld>
 </file>
 
@@ -6356,6 +6363,13 @@
   <p:clrMapOvr>
     <a:masterClrMapping/>
   </p:clrMapOvr>
+  <p:timing>
+    <p:tnLst>
+      <p:par>
+        <p:cTn xmlns:p14="http://schemas.microsoft.com/office/powerpoint/2010/main" id="1" dur="indefinite" restart="never" nodeType="tmRoot"/>
+      </p:par>
+    </p:tnLst>
+  </p:timing>
 </p:sld>
 </file>
 
@@ -6833,6 +6847,13 @@
   <p:clrMapOvr>
     <a:masterClrMapping/>
   </p:clrMapOvr>
+  <p:timing>
+    <p:tnLst>
+      <p:par>
+        <p:cTn xmlns:p14="http://schemas.microsoft.com/office/powerpoint/2010/main" id="1" dur="indefinite" restart="never" nodeType="tmRoot"/>
+      </p:par>
+    </p:tnLst>
+  </p:timing>
 </p:sld>
 </file>
 
@@ -6891,10 +6912,6 @@
           <a:bodyPr/>
           <a:lstStyle/>
           <a:p>
-            <a:r>
-              <a:rPr lang="en-US" dirty="0" smtClean="0"/>
-              <a:t>Movement &amp; Navigation</a:t>
-            </a:r>
             <a:endParaRPr lang="en-US" dirty="0"/>
           </a:p>
         </p:txBody>
@@ -6958,6 +6975,13 @@
   <p:clrMapOvr>
     <a:masterClrMapping/>
   </p:clrMapOvr>
+  <p:timing>
+    <p:tnLst>
+      <p:par>
+        <p:cTn xmlns:p14="http://schemas.microsoft.com/office/powerpoint/2010/main" id="1" dur="indefinite" restart="never" nodeType="tmRoot"/>
+      </p:par>
+    </p:tnLst>
+  </p:timing>
 </p:sld>
 </file>
 
@@ -7057,6 +7081,13 @@
   <p:clrMapOvr>
     <a:masterClrMapping/>
   </p:clrMapOvr>
+  <p:timing>
+    <p:tnLst>
+      <p:par>
+        <p:cTn xmlns:p14="http://schemas.microsoft.com/office/powerpoint/2010/main" id="1" dur="indefinite" restart="never" nodeType="tmRoot"/>
+      </p:par>
+    </p:tnLst>
+  </p:timing>
 </p:sld>
 </file>
 
@@ -7156,6 +7187,13 @@
   <p:clrMapOvr>
     <a:masterClrMapping/>
   </p:clrMapOvr>
+  <p:timing>
+    <p:tnLst>
+      <p:par>
+        <p:cTn xmlns:p14="http://schemas.microsoft.com/office/powerpoint/2010/main" id="1" dur="indefinite" restart="never" nodeType="tmRoot"/>
+      </p:par>
+    </p:tnLst>
+  </p:timing>
 </p:sld>
 </file>
 
@@ -7260,6 +7298,13 @@
   <p:clrMapOvr>
     <a:masterClrMapping/>
   </p:clrMapOvr>
+  <p:timing>
+    <p:tnLst>
+      <p:par>
+        <p:cTn xmlns:p14="http://schemas.microsoft.com/office/powerpoint/2010/main" id="1" dur="indefinite" restart="never" nodeType="tmRoot"/>
+      </p:par>
+    </p:tnLst>
+  </p:timing>
 </p:sld>
 </file>
 
